--- a/A_Concrete_Truth.pptx
+++ b/A_Concrete_Truth.pptx
@@ -6182,31 +6182,36 @@
           </a:p>
         </p:txBody>
       </p:sp>
-      <p:sp>
-        <p:nvSpPr>
-          <p:cNvPr id="3" name="Content Placeholder 2">
+      <p:pic>
+        <p:nvPicPr>
+          <p:cNvPr id="4" name="Picture 3">
             <a:extLst>
               <a:ext uri="{FF2B5EF4-FFF2-40B4-BE49-F238E27FC236}">
-                <a16:creationId xmlns:a16="http://schemas.microsoft.com/office/drawing/2014/main" id="{50088A4C-55CF-366B-CAAA-1D6A7B8C1029}"/>
+                <a16:creationId xmlns:a16="http://schemas.microsoft.com/office/drawing/2014/main" id="{48183EC1-C2AC-8A28-A08C-1AB19CDA48E3}"/>
               </a:ext>
             </a:extLst>
           </p:cNvPr>
-          <p:cNvSpPr>
-            <a:spLocks noGrp="1"/>
-          </p:cNvSpPr>
-          <p:nvPr>
-            <p:ph idx="1"/>
-          </p:nvPr>
-        </p:nvSpPr>
-        <p:spPr/>
-        <p:txBody>
-          <a:bodyPr/>
-          <a:lstStyle/>
-          <a:p>
-            <a:endParaRPr lang="en-US"/>
-          </a:p>
-        </p:txBody>
-      </p:sp>
+          <p:cNvPicPr>
+            <a:picLocks noChangeAspect="1"/>
+          </p:cNvPicPr>
+          <p:nvPr/>
+        </p:nvPicPr>
+        <p:blipFill>
+          <a:blip r:embed="rId2"/>
+          <a:stretch>
+            <a:fillRect/>
+          </a:stretch>
+        </p:blipFill>
+        <p:spPr>
+          <a:xfrm>
+            <a:off x="600075" y="1592034"/>
+            <a:ext cx="9416238" cy="5088683"/>
+          </a:xfrm>
+          <a:prstGeom prst="rect">
+            <a:avLst/>
+          </a:prstGeom>
+        </p:spPr>
+      </p:pic>
     </p:spTree>
     <p:extLst>
       <p:ext uri="{BB962C8B-B14F-4D97-AF65-F5344CB8AC3E}">
